--- a/presentation.pptx
+++ b/presentation.pptx
@@ -5,14 +5,18 @@
     <p:sldMasterId id="2147483661" r:id="rId1"/>
   </p:sldMasterIdLst>
   <p:notesMasterIdLst>
-    <p:notesMasterId r:id="rId7"/>
+    <p:notesMasterId r:id="rId11"/>
   </p:notesMasterIdLst>
   <p:sldIdLst>
     <p:sldId id="269" r:id="rId2"/>
-    <p:sldId id="283" r:id="rId3"/>
-    <p:sldId id="281" r:id="rId4"/>
-    <p:sldId id="275" r:id="rId5"/>
-    <p:sldId id="278" r:id="rId6"/>
+    <p:sldId id="271" r:id="rId3"/>
+    <p:sldId id="272" r:id="rId4"/>
+    <p:sldId id="281" r:id="rId5"/>
+    <p:sldId id="283" r:id="rId6"/>
+    <p:sldId id="285" r:id="rId7"/>
+    <p:sldId id="275" r:id="rId8"/>
+    <p:sldId id="278" r:id="rId9"/>
+    <p:sldId id="284" r:id="rId10"/>
   </p:sldIdLst>
   <p:sldSz cx="12192000" cy="6858000"/>
   <p:notesSz cx="6858000" cy="9144000"/>
@@ -5638,6 +5642,1037 @@
   <p:cSld>
     <p:spTree>
       <p:nvGrpSpPr>
+        <p:cNvPr id="1" name=""/>
+        <p:cNvGrpSpPr/>
+        <p:nvPr/>
+      </p:nvGrpSpPr>
+      <p:grpSpPr>
+        <a:xfrm>
+          <a:off x="0" y="0"/>
+          <a:ext cx="0" cy="0"/>
+          <a:chOff x="0" y="0"/>
+          <a:chExt cx="0" cy="0"/>
+        </a:xfrm>
+      </p:grpSpPr>
+      <p:sp>
+        <p:nvSpPr>
+          <p:cNvPr id="8" name="Title 7">
+            <a:extLst>
+              <a:ext uri="{FF2B5EF4-FFF2-40B4-BE49-F238E27FC236}">
+                <a16:creationId xmlns:a16="http://schemas.microsoft.com/office/drawing/2014/main" id="{7BFFCD31-F399-4B22-8373-FE34F00B61E9}"/>
+              </a:ext>
+            </a:extLst>
+          </p:cNvPr>
+          <p:cNvSpPr>
+            <a:spLocks noGrp="1"/>
+          </p:cNvSpPr>
+          <p:nvPr>
+            <p:ph type="ctrTitle"/>
+          </p:nvPr>
+        </p:nvSpPr>
+        <p:spPr>
+          <a:xfrm>
+            <a:off x="774075" y="1896886"/>
+            <a:ext cx="10803285" cy="1148595"/>
+          </a:xfrm>
+        </p:spPr>
+        <p:txBody>
+          <a:bodyPr/>
+          <a:lstStyle/>
+          <a:p>
+            <a:r>
+              <a:rPr lang="en-GB" dirty="0"/>
+              <a:t>REPORTING AND GROUP OVERVIEW</a:t>
+            </a:r>
+            <a:br>
+              <a:rPr lang="en-GB" dirty="0"/>
+            </a:br>
+            <a:r>
+              <a:rPr lang="en-GB" dirty="0"/>
+              <a:t>GROUP MEMBERS: 3</a:t>
+            </a:r>
+            <a:br>
+              <a:rPr lang="en-GB" dirty="0"/>
+            </a:br>
+            <a:br>
+              <a:rPr lang="en-GB" dirty="0"/>
+            </a:br>
+            <a:endParaRPr lang="en-GB" dirty="0"/>
+          </a:p>
+        </p:txBody>
+      </p:sp>
+      <p:sp>
+        <p:nvSpPr>
+          <p:cNvPr id="2" name="TextBox 1">
+            <a:extLst>
+              <a:ext uri="{FF2B5EF4-FFF2-40B4-BE49-F238E27FC236}">
+                <a16:creationId xmlns:a16="http://schemas.microsoft.com/office/drawing/2014/main" id="{70AEA892-1819-9CA6-C131-47FA4137AD76}"/>
+              </a:ext>
+            </a:extLst>
+          </p:cNvPr>
+          <p:cNvSpPr txBox="1"/>
+          <p:nvPr/>
+        </p:nvSpPr>
+        <p:spPr>
+          <a:xfrm>
+            <a:off x="1639874" y="3287306"/>
+            <a:ext cx="8327842" cy="923330"/>
+          </a:xfrm>
+          <a:prstGeom prst="rect">
+            <a:avLst/>
+          </a:prstGeom>
+          <a:noFill/>
+        </p:spPr>
+        <p:txBody>
+          <a:bodyPr wrap="square" rtlCol="0">
+            <a:spAutoFit/>
+          </a:bodyPr>
+          <a:lstStyle/>
+          <a:p>
+            <a:pPr marL="285750" indent="-285750">
+              <a:buFont typeface="Wingdings" panose="05000000000000000000" pitchFamily="2" charset="2"/>
+              <a:buChar char="Ø"/>
+            </a:pPr>
+            <a:r>
+              <a:rPr lang="de-AT" dirty="0"/>
+              <a:t>Bozhidar Bozhikov: PCB design, circuit design, report and presentation</a:t>
+            </a:r>
+          </a:p>
+          <a:p>
+            <a:pPr marL="285750" indent="-285750">
+              <a:buFont typeface="Wingdings" panose="05000000000000000000" pitchFamily="2" charset="2"/>
+              <a:buChar char="Ø"/>
+            </a:pPr>
+            <a:r>
+              <a:rPr lang="de-AT" dirty="0"/>
+              <a:t>Nikita Smolianinov: CAD design, research</a:t>
+            </a:r>
+          </a:p>
+          <a:p>
+            <a:pPr marL="285750" indent="-285750">
+              <a:buFont typeface="Wingdings" panose="05000000000000000000" pitchFamily="2" charset="2"/>
+              <a:buChar char="Ø"/>
+            </a:pPr>
+            <a:r>
+              <a:rPr lang="en-US" dirty="0"/>
+              <a:t>Vladyslav Uhrik: Physical and electrical calculations</a:t>
+            </a:r>
+            <a:endParaRPr lang="de-AT" dirty="0"/>
+          </a:p>
+        </p:txBody>
+      </p:sp>
+    </p:spTree>
+    <p:extLst>
+      <p:ext uri="{BB962C8B-B14F-4D97-AF65-F5344CB8AC3E}">
+        <p14:creationId xmlns:p14="http://schemas.microsoft.com/office/powerpoint/2010/main" val="991224149"/>
+      </p:ext>
+    </p:extLst>
+  </p:cSld>
+  <p:clrMapOvr>
+    <a:masterClrMapping/>
+  </p:clrMapOvr>
+</p:sld>
+</file>
+
+<file path=ppt/slides/slide3.xml><?xml version="1.0" encoding="utf-8"?>
+<p:sld xmlns:a="http://schemas.openxmlformats.org/drawingml/2006/main" xmlns:r="http://schemas.openxmlformats.org/officeDocument/2006/relationships" xmlns:p="http://schemas.openxmlformats.org/presentationml/2006/main">
+  <p:cSld>
+    <p:spTree>
+      <p:nvGrpSpPr>
+        <p:cNvPr id="1" name=""/>
+        <p:cNvGrpSpPr/>
+        <p:nvPr/>
+      </p:nvGrpSpPr>
+      <p:grpSpPr>
+        <a:xfrm>
+          <a:off x="0" y="0"/>
+          <a:ext cx="0" cy="0"/>
+          <a:chOff x="0" y="0"/>
+          <a:chExt cx="0" cy="0"/>
+        </a:xfrm>
+      </p:grpSpPr>
+      <p:sp>
+        <p:nvSpPr>
+          <p:cNvPr id="2" name="Title 7">
+            <a:extLst>
+              <a:ext uri="{FF2B5EF4-FFF2-40B4-BE49-F238E27FC236}">
+                <a16:creationId xmlns:a16="http://schemas.microsoft.com/office/drawing/2014/main" id="{A9DBEA53-0364-473F-835B-9C03965A3711}"/>
+              </a:ext>
+            </a:extLst>
+          </p:cNvPr>
+          <p:cNvSpPr>
+            <a:spLocks noGrp="1"/>
+          </p:cNvSpPr>
+          <p:nvPr>
+            <p:ph type="ctrTitle"/>
+          </p:nvPr>
+        </p:nvSpPr>
+        <p:spPr>
+          <a:xfrm>
+            <a:off x="255212" y="2330062"/>
+            <a:ext cx="7236719" cy="1619531"/>
+          </a:xfrm>
+        </p:spPr>
+        <p:txBody>
+          <a:bodyPr>
+            <a:normAutofit/>
+          </a:bodyPr>
+          <a:lstStyle/>
+          <a:p>
+            <a:r>
+              <a:rPr lang="de-AT" sz="2000" dirty="0"/>
+              <a:t>Isokpehi Faith</a:t>
+            </a:r>
+            <a:br>
+              <a:rPr lang="de-AT" dirty="0"/>
+            </a:br>
+            <a:r>
+              <a:rPr lang="de-AT" dirty="0"/>
+              <a:t>Task Description &amp; Specifications</a:t>
+            </a:r>
+            <a:endParaRPr lang="en-GB" dirty="0"/>
+          </a:p>
+        </p:txBody>
+      </p:sp>
+    </p:spTree>
+    <p:extLst>
+      <p:ext uri="{BB962C8B-B14F-4D97-AF65-F5344CB8AC3E}">
+        <p14:creationId xmlns:p14="http://schemas.microsoft.com/office/powerpoint/2010/main" val="3166604032"/>
+      </p:ext>
+    </p:extLst>
+  </p:cSld>
+  <p:clrMapOvr>
+    <a:masterClrMapping/>
+  </p:clrMapOvr>
+</p:sld>
+</file>
+
+<file path=ppt/slides/slide4.xml><?xml version="1.0" encoding="utf-8"?>
+<p:sld xmlns:a="http://schemas.openxmlformats.org/drawingml/2006/main" xmlns:r="http://schemas.openxmlformats.org/officeDocument/2006/relationships" xmlns:p="http://schemas.openxmlformats.org/presentationml/2006/main">
+  <p:cSld>
+    <p:spTree>
+      <p:nvGrpSpPr>
+        <p:cNvPr id="1" name=""/>
+        <p:cNvGrpSpPr/>
+        <p:nvPr/>
+      </p:nvGrpSpPr>
+      <p:grpSpPr>
+        <a:xfrm>
+          <a:off x="0" y="0"/>
+          <a:ext cx="0" cy="0"/>
+          <a:chOff x="0" y="0"/>
+          <a:chExt cx="0" cy="0"/>
+        </a:xfrm>
+      </p:grpSpPr>
+      <p:sp>
+        <p:nvSpPr>
+          <p:cNvPr id="2" name="Date Placeholder 1">
+            <a:extLst>
+              <a:ext uri="{FF2B5EF4-FFF2-40B4-BE49-F238E27FC236}">
+                <a16:creationId xmlns:a16="http://schemas.microsoft.com/office/drawing/2014/main" id="{21F45C04-EDFD-4F9D-B729-7A3112DA86B4}"/>
+              </a:ext>
+            </a:extLst>
+          </p:cNvPr>
+          <p:cNvSpPr>
+            <a:spLocks noGrp="1"/>
+          </p:cNvSpPr>
+          <p:nvPr>
+            <p:ph type="dt" sz="half" idx="10"/>
+          </p:nvPr>
+        </p:nvSpPr>
+        <p:spPr/>
+        <p:txBody>
+          <a:bodyPr/>
+          <a:lstStyle/>
+          <a:p>
+            <a:fld id="{984BC1C5-6C09-40D3-AC5F-4EBA0FEDC8C4}" type="datetime1">
+              <a:rPr lang="en-GB" smtClean="0"/>
+              <a:t>11/07/2025</a:t>
+            </a:fld>
+            <a:endParaRPr lang="en-GB"/>
+          </a:p>
+        </p:txBody>
+      </p:sp>
+      <p:sp>
+        <p:nvSpPr>
+          <p:cNvPr id="4" name="Slide Number Placeholder 3">
+            <a:extLst>
+              <a:ext uri="{FF2B5EF4-FFF2-40B4-BE49-F238E27FC236}">
+                <a16:creationId xmlns:a16="http://schemas.microsoft.com/office/drawing/2014/main" id="{71D4640E-F86D-4070-9BF1-76B3C39C0736}"/>
+              </a:ext>
+            </a:extLst>
+          </p:cNvPr>
+          <p:cNvSpPr>
+            <a:spLocks noGrp="1"/>
+          </p:cNvSpPr>
+          <p:nvPr>
+            <p:ph type="sldNum" sz="quarter" idx="12"/>
+          </p:nvPr>
+        </p:nvSpPr>
+        <p:spPr/>
+        <p:txBody>
+          <a:bodyPr/>
+          <a:lstStyle/>
+          <a:p>
+            <a:fld id="{C9D8FB56-1768-4191-8A17-09BD1168FD6B}" type="slidenum">
+              <a:rPr lang="en-GB" smtClean="0"/>
+              <a:t>4</a:t>
+            </a:fld>
+            <a:endParaRPr lang="en-GB"/>
+          </a:p>
+        </p:txBody>
+      </p:sp>
+      <p:sp>
+        <p:nvSpPr>
+          <p:cNvPr id="8" name="Title 7">
+            <a:extLst>
+              <a:ext uri="{FF2B5EF4-FFF2-40B4-BE49-F238E27FC236}">
+                <a16:creationId xmlns:a16="http://schemas.microsoft.com/office/drawing/2014/main" id="{EEA1C8A7-FC41-9DBA-A05D-984D8C70F29F}"/>
+              </a:ext>
+            </a:extLst>
+          </p:cNvPr>
+          <p:cNvSpPr>
+            <a:spLocks noGrp="1"/>
+          </p:cNvSpPr>
+          <p:nvPr>
+            <p:ph type="title"/>
+          </p:nvPr>
+        </p:nvSpPr>
+        <p:spPr/>
+        <p:txBody>
+          <a:bodyPr/>
+          <a:lstStyle/>
+          <a:p>
+            <a:endParaRPr lang="bg-BG" dirty="0"/>
+          </a:p>
+        </p:txBody>
+      </p:sp>
+      <p:graphicFrame>
+        <p:nvGraphicFramePr>
+          <p:cNvPr id="12" name="Content Placeholder 11">
+            <a:extLst>
+              <a:ext uri="{FF2B5EF4-FFF2-40B4-BE49-F238E27FC236}">
+                <a16:creationId xmlns:a16="http://schemas.microsoft.com/office/drawing/2014/main" id="{D86F12AE-07A9-C058-D209-E305A473264D}"/>
+              </a:ext>
+            </a:extLst>
+          </p:cNvPr>
+          <p:cNvGraphicFramePr>
+            <a:graphicFrameLocks noGrp="1"/>
+          </p:cNvGraphicFramePr>
+          <p:nvPr>
+            <p:ph idx="1"/>
+            <p:extLst>
+              <p:ext uri="{D42A27DB-BD31-4B8C-83A1-F6EECF244321}">
+                <p14:modId xmlns:p14="http://schemas.microsoft.com/office/powerpoint/2010/main" val="732342859"/>
+              </p:ext>
+            </p:extLst>
+          </p:nvPr>
+        </p:nvGraphicFramePr>
+        <p:xfrm>
+          <a:off x="839788" y="144780"/>
+          <a:ext cx="10688427" cy="5461000"/>
+        </p:xfrm>
+        <a:graphic>
+          <a:graphicData uri="http://schemas.openxmlformats.org/drawingml/2006/table">
+            <a:tbl>
+              <a:tblPr firstRow="1" bandRow="1">
+                <a:tableStyleId>{5C22544A-7EE6-4342-B048-85BDC9FD1C3A}</a:tableStyleId>
+              </a:tblPr>
+              <a:tblGrid>
+                <a:gridCol w="3562809">
+                  <a:extLst>
+                    <a:ext uri="{9D8B030D-6E8A-4147-A177-3AD203B41FA5}">
+                      <a16:colId xmlns:a16="http://schemas.microsoft.com/office/drawing/2014/main" val="3304450589"/>
+                    </a:ext>
+                  </a:extLst>
+                </a:gridCol>
+                <a:gridCol w="3562809">
+                  <a:extLst>
+                    <a:ext uri="{9D8B030D-6E8A-4147-A177-3AD203B41FA5}">
+                      <a16:colId xmlns:a16="http://schemas.microsoft.com/office/drawing/2014/main" val="2714037542"/>
+                    </a:ext>
+                  </a:extLst>
+                </a:gridCol>
+                <a:gridCol w="3562809">
+                  <a:extLst>
+                    <a:ext uri="{9D8B030D-6E8A-4147-A177-3AD203B41FA5}">
+                      <a16:colId xmlns:a16="http://schemas.microsoft.com/office/drawing/2014/main" val="4136126937"/>
+                    </a:ext>
+                  </a:extLst>
+                </a:gridCol>
+              </a:tblGrid>
+              <a:tr h="370840">
+                <a:tc>
+                  <a:txBody>
+                    <a:bodyPr/>
+                    <a:lstStyle/>
+                    <a:p>
+                      <a:r>
+                        <a:rPr lang="en-US" dirty="0"/>
+                        <a:t>Requirement/Spec</a:t>
+                      </a:r>
+                      <a:endParaRPr lang="bg-BG" dirty="0"/>
+                    </a:p>
+                  </a:txBody>
+                  <a:tcPr/>
+                </a:tc>
+                <a:tc>
+                  <a:txBody>
+                    <a:bodyPr/>
+                    <a:lstStyle/>
+                    <a:p>
+                      <a:r>
+                        <a:rPr lang="en-US" dirty="0"/>
+                        <a:t>Details</a:t>
+                      </a:r>
+                      <a:endParaRPr lang="bg-BG" dirty="0"/>
+                    </a:p>
+                  </a:txBody>
+                  <a:tcPr/>
+                </a:tc>
+                <a:tc>
+                  <a:txBody>
+                    <a:bodyPr/>
+                    <a:lstStyle/>
+                    <a:p>
+                      <a:r>
+                        <a:rPr lang="en-US" dirty="0"/>
+                        <a:t>Achieved?</a:t>
+                      </a:r>
+                      <a:endParaRPr lang="bg-BG" dirty="0"/>
+                    </a:p>
+                  </a:txBody>
+                  <a:tcPr/>
+                </a:tc>
+                <a:extLst>
+                  <a:ext uri="{0D108BD9-81ED-4DB2-BD59-A6C34878D82A}">
+                    <a16:rowId xmlns:a16="http://schemas.microsoft.com/office/drawing/2014/main" val="1607881290"/>
+                  </a:ext>
+                </a:extLst>
+              </a:tr>
+              <a:tr h="370840">
+                <a:tc>
+                  <a:txBody>
+                    <a:bodyPr/>
+                    <a:lstStyle/>
+                    <a:p>
+                      <a:r>
+                        <a:rPr lang="en-US" b="1" dirty="0"/>
+                        <a:t>Main specs</a:t>
+                      </a:r>
+                      <a:endParaRPr lang="bg-BG" b="1" dirty="0"/>
+                    </a:p>
+                  </a:txBody>
+                  <a:tcPr/>
+                </a:tc>
+                <a:tc>
+                  <a:txBody>
+                    <a:bodyPr/>
+                    <a:lstStyle/>
+                    <a:p>
+                      <a:endParaRPr lang="bg-BG" dirty="0"/>
+                    </a:p>
+                  </a:txBody>
+                  <a:tcPr/>
+                </a:tc>
+                <a:tc>
+                  <a:txBody>
+                    <a:bodyPr/>
+                    <a:lstStyle/>
+                    <a:p>
+                      <a:endParaRPr lang="bg-BG" dirty="0"/>
+                    </a:p>
+                  </a:txBody>
+                  <a:tcPr/>
+                </a:tc>
+                <a:extLst>
+                  <a:ext uri="{0D108BD9-81ED-4DB2-BD59-A6C34878D82A}">
+                    <a16:rowId xmlns:a16="http://schemas.microsoft.com/office/drawing/2014/main" val="1906348626"/>
+                  </a:ext>
+                </a:extLst>
+              </a:tr>
+              <a:tr h="370840">
+                <a:tc>
+                  <a:txBody>
+                    <a:bodyPr/>
+                    <a:lstStyle/>
+                    <a:p>
+                      <a:r>
+                        <a:rPr lang="en-US" dirty="0"/>
+                        <a:t>Robot Weight</a:t>
+                      </a:r>
+                      <a:endParaRPr lang="bg-BG" dirty="0"/>
+                    </a:p>
+                  </a:txBody>
+                  <a:tcPr/>
+                </a:tc>
+                <a:tc>
+                  <a:txBody>
+                    <a:bodyPr/>
+                    <a:lstStyle/>
+                    <a:p>
+                      <a:r>
+                        <a:rPr lang="en-US" dirty="0"/>
+                        <a:t>800g</a:t>
+                      </a:r>
+                      <a:endParaRPr lang="bg-BG" dirty="0"/>
+                    </a:p>
+                  </a:txBody>
+                  <a:tcPr/>
+                </a:tc>
+                <a:tc>
+                  <a:txBody>
+                    <a:bodyPr/>
+                    <a:lstStyle/>
+                    <a:p>
+                      <a:r>
+                        <a:rPr lang="en-US" dirty="0"/>
+                        <a:t>576g</a:t>
+                      </a:r>
+                      <a:endParaRPr lang="bg-BG" dirty="0"/>
+                    </a:p>
+                  </a:txBody>
+                  <a:tcPr/>
+                </a:tc>
+                <a:extLst>
+                  <a:ext uri="{0D108BD9-81ED-4DB2-BD59-A6C34878D82A}">
+                    <a16:rowId xmlns:a16="http://schemas.microsoft.com/office/drawing/2014/main" val="673257418"/>
+                  </a:ext>
+                </a:extLst>
+              </a:tr>
+              <a:tr h="370840">
+                <a:tc>
+                  <a:txBody>
+                    <a:bodyPr/>
+                    <a:lstStyle/>
+                    <a:p>
+                      <a:r>
+                        <a:rPr lang="en-US" dirty="0"/>
+                        <a:t>Nominal speed</a:t>
+                      </a:r>
+                      <a:endParaRPr lang="bg-BG" dirty="0"/>
+                    </a:p>
+                  </a:txBody>
+                  <a:tcPr/>
+                </a:tc>
+                <a:tc>
+                  <a:txBody>
+                    <a:bodyPr/>
+                    <a:lstStyle/>
+                    <a:p>
+                      <a:r>
+                        <a:rPr lang="en-US" dirty="0"/>
+                        <a:t>100mm/s</a:t>
+                      </a:r>
+                      <a:endParaRPr lang="bg-BG" dirty="0"/>
+                    </a:p>
+                  </a:txBody>
+                  <a:tcPr/>
+                </a:tc>
+                <a:tc>
+                  <a:txBody>
+                    <a:bodyPr/>
+                    <a:lstStyle/>
+                    <a:p>
+                      <a:r>
+                        <a:rPr lang="en-US" dirty="0"/>
+                        <a:t>Yes</a:t>
+                      </a:r>
+                      <a:endParaRPr lang="bg-BG" dirty="0"/>
+                    </a:p>
+                  </a:txBody>
+                  <a:tcPr/>
+                </a:tc>
+                <a:extLst>
+                  <a:ext uri="{0D108BD9-81ED-4DB2-BD59-A6C34878D82A}">
+                    <a16:rowId xmlns:a16="http://schemas.microsoft.com/office/drawing/2014/main" val="3172218677"/>
+                  </a:ext>
+                </a:extLst>
+              </a:tr>
+              <a:tr h="370840">
+                <a:tc>
+                  <a:txBody>
+                    <a:bodyPr/>
+                    <a:lstStyle/>
+                    <a:p>
+                      <a:r>
+                        <a:rPr lang="en-US" dirty="0"/>
+                        <a:t>Cost of material and components</a:t>
+                      </a:r>
+                      <a:endParaRPr lang="bg-BG" dirty="0"/>
+                    </a:p>
+                  </a:txBody>
+                  <a:tcPr/>
+                </a:tc>
+                <a:tc>
+                  <a:txBody>
+                    <a:bodyPr/>
+                    <a:lstStyle/>
+                    <a:p>
+                      <a:r>
+                        <a:rPr lang="en-US" dirty="0"/>
+                        <a:t>300</a:t>
+                      </a:r>
+                      <a:r>
+                        <a:rPr lang="bg-BG" dirty="0"/>
+                        <a:t>€</a:t>
+                      </a:r>
+                    </a:p>
+                  </a:txBody>
+                  <a:tcPr/>
+                </a:tc>
+                <a:tc>
+                  <a:txBody>
+                    <a:bodyPr/>
+                    <a:lstStyle/>
+                    <a:p>
+                      <a:r>
+                        <a:rPr lang="en-US" dirty="0"/>
+                        <a:t>232,34</a:t>
+                      </a:r>
+                      <a:r>
+                        <a:rPr lang="bg-BG" dirty="0"/>
+                        <a:t>€</a:t>
+                      </a:r>
+                    </a:p>
+                  </a:txBody>
+                  <a:tcPr/>
+                </a:tc>
+                <a:extLst>
+                  <a:ext uri="{0D108BD9-81ED-4DB2-BD59-A6C34878D82A}">
+                    <a16:rowId xmlns:a16="http://schemas.microsoft.com/office/drawing/2014/main" val="2887644287"/>
+                  </a:ext>
+                </a:extLst>
+              </a:tr>
+              <a:tr h="370840">
+                <a:tc>
+                  <a:txBody>
+                    <a:bodyPr/>
+                    <a:lstStyle/>
+                    <a:p>
+                      <a:r>
+                        <a:rPr lang="en-US" dirty="0"/>
+                        <a:t>Footprint shape, ~30cm in diam.</a:t>
+                      </a:r>
+                      <a:endParaRPr lang="bg-BG" dirty="0"/>
+                    </a:p>
+                  </a:txBody>
+                  <a:tcPr/>
+                </a:tc>
+                <a:tc>
+                  <a:txBody>
+                    <a:bodyPr/>
+                    <a:lstStyle/>
+                    <a:p>
+                      <a:r>
+                        <a:rPr lang="en-US" dirty="0"/>
+                        <a:t>Circular</a:t>
+                      </a:r>
+                      <a:endParaRPr lang="bg-BG" dirty="0"/>
+                    </a:p>
+                  </a:txBody>
+                  <a:tcPr/>
+                </a:tc>
+                <a:tc>
+                  <a:txBody>
+                    <a:bodyPr/>
+                    <a:lstStyle/>
+                    <a:p>
+                      <a:r>
+                        <a:rPr lang="en-US" dirty="0"/>
+                        <a:t>Yes</a:t>
+                      </a:r>
+                      <a:endParaRPr lang="bg-BG" dirty="0"/>
+                    </a:p>
+                  </a:txBody>
+                  <a:tcPr/>
+                </a:tc>
+                <a:extLst>
+                  <a:ext uri="{0D108BD9-81ED-4DB2-BD59-A6C34878D82A}">
+                    <a16:rowId xmlns:a16="http://schemas.microsoft.com/office/drawing/2014/main" val="1477086954"/>
+                  </a:ext>
+                </a:extLst>
+              </a:tr>
+              <a:tr h="370840">
+                <a:tc>
+                  <a:txBody>
+                    <a:bodyPr/>
+                    <a:lstStyle/>
+                    <a:p>
+                      <a:r>
+                        <a:rPr lang="en-US" b="1" dirty="0"/>
+                        <a:t>Obstacles</a:t>
+                      </a:r>
+                      <a:endParaRPr lang="bg-BG" b="1" dirty="0"/>
+                    </a:p>
+                  </a:txBody>
+                  <a:tcPr/>
+                </a:tc>
+                <a:tc>
+                  <a:txBody>
+                    <a:bodyPr/>
+                    <a:lstStyle/>
+                    <a:p>
+                      <a:endParaRPr lang="bg-BG" dirty="0"/>
+                    </a:p>
+                  </a:txBody>
+                  <a:tcPr/>
+                </a:tc>
+                <a:tc>
+                  <a:txBody>
+                    <a:bodyPr/>
+                    <a:lstStyle/>
+                    <a:p>
+                      <a:endParaRPr lang="en-US" dirty="0"/>
+                    </a:p>
+                  </a:txBody>
+                  <a:tcPr/>
+                </a:tc>
+                <a:extLst>
+                  <a:ext uri="{0D108BD9-81ED-4DB2-BD59-A6C34878D82A}">
+                    <a16:rowId xmlns:a16="http://schemas.microsoft.com/office/drawing/2014/main" val="384921361"/>
+                  </a:ext>
+                </a:extLst>
+              </a:tr>
+              <a:tr h="370840">
+                <a:tc>
+                  <a:txBody>
+                    <a:bodyPr/>
+                    <a:lstStyle/>
+                    <a:p>
+                      <a:r>
+                        <a:rPr lang="en-US" dirty="0"/>
+                        <a:t>Gaps</a:t>
+                      </a:r>
+                      <a:endParaRPr lang="bg-BG" dirty="0"/>
+                    </a:p>
+                  </a:txBody>
+                  <a:tcPr/>
+                </a:tc>
+                <a:tc>
+                  <a:txBody>
+                    <a:bodyPr/>
+                    <a:lstStyle/>
+                    <a:p>
+                      <a:r>
+                        <a:rPr lang="en-US" dirty="0"/>
+                        <a:t>6cm</a:t>
+                      </a:r>
+                      <a:endParaRPr lang="bg-BG" dirty="0"/>
+                    </a:p>
+                  </a:txBody>
+                  <a:tcPr/>
+                </a:tc>
+                <a:tc>
+                  <a:txBody>
+                    <a:bodyPr/>
+                    <a:lstStyle/>
+                    <a:p>
+                      <a:r>
+                        <a:rPr lang="en-US" dirty="0"/>
+                        <a:t>Yes</a:t>
+                      </a:r>
+                    </a:p>
+                  </a:txBody>
+                  <a:tcPr/>
+                </a:tc>
+                <a:extLst>
+                  <a:ext uri="{0D108BD9-81ED-4DB2-BD59-A6C34878D82A}">
+                    <a16:rowId xmlns:a16="http://schemas.microsoft.com/office/drawing/2014/main" val="2366909393"/>
+                  </a:ext>
+                </a:extLst>
+              </a:tr>
+              <a:tr h="370840">
+                <a:tc>
+                  <a:txBody>
+                    <a:bodyPr/>
+                    <a:lstStyle/>
+                    <a:p>
+                      <a:r>
+                        <a:rPr lang="en-US" dirty="0"/>
+                        <a:t>Darkness</a:t>
+                      </a:r>
+                      <a:endParaRPr lang="bg-BG" dirty="0"/>
+                    </a:p>
+                  </a:txBody>
+                  <a:tcPr/>
+                </a:tc>
+                <a:tc>
+                  <a:txBody>
+                    <a:bodyPr/>
+                    <a:lstStyle/>
+                    <a:p>
+                      <a:endParaRPr lang="bg-BG" dirty="0"/>
+                    </a:p>
+                  </a:txBody>
+                  <a:tcPr/>
+                </a:tc>
+                <a:tc>
+                  <a:txBody>
+                    <a:bodyPr/>
+                    <a:lstStyle/>
+                    <a:p>
+                      <a:r>
+                        <a:rPr lang="en-US" dirty="0"/>
+                        <a:t>Yes</a:t>
+                      </a:r>
+                    </a:p>
+                  </a:txBody>
+                  <a:tcPr/>
+                </a:tc>
+                <a:extLst>
+                  <a:ext uri="{0D108BD9-81ED-4DB2-BD59-A6C34878D82A}">
+                    <a16:rowId xmlns:a16="http://schemas.microsoft.com/office/drawing/2014/main" val="2117890192"/>
+                  </a:ext>
+                </a:extLst>
+              </a:tr>
+              <a:tr h="370840">
+                <a:tc>
+                  <a:txBody>
+                    <a:bodyPr/>
+                    <a:lstStyle/>
+                    <a:p>
+                      <a:r>
+                        <a:rPr lang="en-US" b="1" dirty="0"/>
+                        <a:t>Tasks</a:t>
+                      </a:r>
+                      <a:endParaRPr lang="bg-BG" b="1" dirty="0"/>
+                    </a:p>
+                  </a:txBody>
+                  <a:tcPr/>
+                </a:tc>
+                <a:tc>
+                  <a:txBody>
+                    <a:bodyPr/>
+                    <a:lstStyle/>
+                    <a:p>
+                      <a:endParaRPr lang="bg-BG" dirty="0"/>
+                    </a:p>
+                  </a:txBody>
+                  <a:tcPr/>
+                </a:tc>
+                <a:tc>
+                  <a:txBody>
+                    <a:bodyPr/>
+                    <a:lstStyle/>
+                    <a:p>
+                      <a:endParaRPr lang="en-US" dirty="0"/>
+                    </a:p>
+                  </a:txBody>
+                  <a:tcPr/>
+                </a:tc>
+                <a:extLst>
+                  <a:ext uri="{0D108BD9-81ED-4DB2-BD59-A6C34878D82A}">
+                    <a16:rowId xmlns:a16="http://schemas.microsoft.com/office/drawing/2014/main" val="1366214736"/>
+                  </a:ext>
+                </a:extLst>
+              </a:tr>
+              <a:tr h="370840">
+                <a:tc>
+                  <a:txBody>
+                    <a:bodyPr/>
+                    <a:lstStyle/>
+                    <a:p>
+                      <a:r>
+                        <a:rPr lang="en-US" dirty="0"/>
+                        <a:t>Minimal running time</a:t>
+                      </a:r>
+                      <a:endParaRPr lang="bg-BG" dirty="0"/>
+                    </a:p>
+                  </a:txBody>
+                  <a:tcPr/>
+                </a:tc>
+                <a:tc>
+                  <a:txBody>
+                    <a:bodyPr/>
+                    <a:lstStyle/>
+                    <a:p>
+                      <a:r>
+                        <a:rPr lang="en-US" dirty="0"/>
+                        <a:t>15min</a:t>
+                      </a:r>
+                      <a:endParaRPr lang="bg-BG" dirty="0"/>
+                    </a:p>
+                  </a:txBody>
+                  <a:tcPr/>
+                </a:tc>
+                <a:tc>
+                  <a:txBody>
+                    <a:bodyPr/>
+                    <a:lstStyle/>
+                    <a:p>
+                      <a:r>
+                        <a:rPr lang="en-US" dirty="0"/>
+                        <a:t>22min</a:t>
+                      </a:r>
+                    </a:p>
+                  </a:txBody>
+                  <a:tcPr/>
+                </a:tc>
+                <a:extLst>
+                  <a:ext uri="{0D108BD9-81ED-4DB2-BD59-A6C34878D82A}">
+                    <a16:rowId xmlns:a16="http://schemas.microsoft.com/office/drawing/2014/main" val="1877602448"/>
+                  </a:ext>
+                </a:extLst>
+              </a:tr>
+              <a:tr h="370840">
+                <a:tc>
+                  <a:txBody>
+                    <a:bodyPr/>
+                    <a:lstStyle/>
+                    <a:p>
+                      <a:r>
+                        <a:rPr lang="en-US" dirty="0"/>
+                        <a:t>Line-tracking</a:t>
+                      </a:r>
+                      <a:endParaRPr lang="bg-BG" dirty="0"/>
+                    </a:p>
+                  </a:txBody>
+                  <a:tcPr/>
+                </a:tc>
+                <a:tc>
+                  <a:txBody>
+                    <a:bodyPr/>
+                    <a:lstStyle/>
+                    <a:p>
+                      <a:endParaRPr lang="bg-BG" dirty="0"/>
+                    </a:p>
+                  </a:txBody>
+                  <a:tcPr/>
+                </a:tc>
+                <a:tc>
+                  <a:txBody>
+                    <a:bodyPr/>
+                    <a:lstStyle/>
+                    <a:p>
+                      <a:r>
+                        <a:rPr lang="en-US" dirty="0"/>
+                        <a:t>Yes</a:t>
+                      </a:r>
+                    </a:p>
+                  </a:txBody>
+                  <a:tcPr/>
+                </a:tc>
+                <a:extLst>
+                  <a:ext uri="{0D108BD9-81ED-4DB2-BD59-A6C34878D82A}">
+                    <a16:rowId xmlns:a16="http://schemas.microsoft.com/office/drawing/2014/main" val="476503427"/>
+                  </a:ext>
+                </a:extLst>
+              </a:tr>
+              <a:tr h="370840">
+                <a:tc>
+                  <a:txBody>
+                    <a:bodyPr/>
+                    <a:lstStyle/>
+                    <a:p>
+                      <a:r>
+                        <a:rPr lang="en-US" dirty="0"/>
+                        <a:t>RC capability</a:t>
+                      </a:r>
+                      <a:endParaRPr lang="bg-BG" dirty="0"/>
+                    </a:p>
+                  </a:txBody>
+                  <a:tcPr/>
+                </a:tc>
+                <a:tc>
+                  <a:txBody>
+                    <a:bodyPr/>
+                    <a:lstStyle/>
+                    <a:p>
+                      <a:endParaRPr lang="bg-BG" dirty="0"/>
+                    </a:p>
+                  </a:txBody>
+                  <a:tcPr/>
+                </a:tc>
+                <a:tc>
+                  <a:txBody>
+                    <a:bodyPr/>
+                    <a:lstStyle/>
+                    <a:p>
+                      <a:r>
+                        <a:rPr lang="en-US" dirty="0"/>
+                        <a:t>Yes</a:t>
+                      </a:r>
+                    </a:p>
+                  </a:txBody>
+                  <a:tcPr/>
+                </a:tc>
+                <a:extLst>
+                  <a:ext uri="{0D108BD9-81ED-4DB2-BD59-A6C34878D82A}">
+                    <a16:rowId xmlns:a16="http://schemas.microsoft.com/office/drawing/2014/main" val="1722534532"/>
+                  </a:ext>
+                </a:extLst>
+              </a:tr>
+              <a:tr h="370840">
+                <a:tc>
+                  <a:txBody>
+                    <a:bodyPr/>
+                    <a:lstStyle/>
+                    <a:p>
+                      <a:r>
+                        <a:rPr lang="en-US" dirty="0"/>
+                        <a:t>Acoustic feedback</a:t>
+                      </a:r>
+                      <a:endParaRPr lang="bg-BG" dirty="0"/>
+                    </a:p>
+                  </a:txBody>
+                  <a:tcPr/>
+                </a:tc>
+                <a:tc>
+                  <a:txBody>
+                    <a:bodyPr/>
+                    <a:lstStyle/>
+                    <a:p>
+                      <a:r>
+                        <a:rPr lang="en-US" dirty="0"/>
+                        <a:t>~70-75dB</a:t>
+                      </a:r>
+                      <a:endParaRPr lang="bg-BG" dirty="0"/>
+                    </a:p>
+                  </a:txBody>
+                  <a:tcPr/>
+                </a:tc>
+                <a:tc>
+                  <a:txBody>
+                    <a:bodyPr/>
+                    <a:lstStyle/>
+                    <a:p>
+                      <a:r>
+                        <a:rPr lang="en-US" dirty="0"/>
+                        <a:t>Yes</a:t>
+                      </a:r>
+                    </a:p>
+                  </a:txBody>
+                  <a:tcPr/>
+                </a:tc>
+                <a:extLst>
+                  <a:ext uri="{0D108BD9-81ED-4DB2-BD59-A6C34878D82A}">
+                    <a16:rowId xmlns:a16="http://schemas.microsoft.com/office/drawing/2014/main" val="410140162"/>
+                  </a:ext>
+                </a:extLst>
+              </a:tr>
+            </a:tbl>
+          </a:graphicData>
+        </a:graphic>
+      </p:graphicFrame>
+    </p:spTree>
+    <p:extLst>
+      <p:ext uri="{BB962C8B-B14F-4D97-AF65-F5344CB8AC3E}">
+        <p14:creationId xmlns:p14="http://schemas.microsoft.com/office/powerpoint/2010/main" val="3525351719"/>
+      </p:ext>
+    </p:extLst>
+  </p:cSld>
+  <p:clrMapOvr>
+    <a:masterClrMapping/>
+  </p:clrMapOvr>
+</p:sld>
+</file>
+
+<file path=ppt/slides/slide5.xml><?xml version="1.0" encoding="utf-8"?>
+<p:sld xmlns:a="http://schemas.openxmlformats.org/drawingml/2006/main" xmlns:r="http://schemas.openxmlformats.org/officeDocument/2006/relationships" xmlns:p="http://schemas.openxmlformats.org/presentationml/2006/main">
+  <p:cSld>
+    <p:spTree>
+      <p:nvGrpSpPr>
         <p:cNvPr id="1" name="">
           <a:extLst>
             <a:ext uri="{FF2B5EF4-FFF2-40B4-BE49-F238E27FC236}">
@@ -5679,7 +6714,7 @@
           <a:p>
             <a:r>
               <a:rPr lang="en-GB" dirty="0"/>
-              <a:t>1. Screw propulsion</a:t>
+              <a:t>Screw propulsion</a:t>
             </a:r>
           </a:p>
         </p:txBody>
@@ -5776,7 +6811,7 @@
           <a:p>
             <a:fld id="{C9D8FB56-1768-4191-8A17-09BD1168FD6B}" type="slidenum">
               <a:rPr lang="en-GB" smtClean="0"/>
-              <a:t>2</a:t>
+              <a:t>5</a:t>
             </a:fld>
             <a:endParaRPr lang="en-GB"/>
           </a:p>
@@ -5867,7 +6902,210 @@
 </p:sld>
 </file>
 
-<file path=ppt/slides/slide3.xml><?xml version="1.0" encoding="utf-8"?>
+<file path=ppt/slides/slide6.xml><?xml version="1.0" encoding="utf-8"?>
+<p:sld xmlns:a="http://schemas.openxmlformats.org/drawingml/2006/main" xmlns:r="http://schemas.openxmlformats.org/officeDocument/2006/relationships" xmlns:p="http://schemas.openxmlformats.org/presentationml/2006/main">
+  <p:cSld>
+    <p:spTree>
+      <p:nvGrpSpPr>
+        <p:cNvPr id="1" name="">
+          <a:extLst>
+            <a:ext uri="{FF2B5EF4-FFF2-40B4-BE49-F238E27FC236}">
+              <a16:creationId xmlns:a16="http://schemas.microsoft.com/office/drawing/2014/main" id="{EA41C634-6EAE-9C6F-2DD2-87C68A05336D}"/>
+            </a:ext>
+          </a:extLst>
+        </p:cNvPr>
+        <p:cNvGrpSpPr/>
+        <p:nvPr/>
+      </p:nvGrpSpPr>
+      <p:grpSpPr>
+        <a:xfrm>
+          <a:off x="0" y="0"/>
+          <a:ext cx="0" cy="0"/>
+          <a:chOff x="0" y="0"/>
+          <a:chExt cx="0" cy="0"/>
+        </a:xfrm>
+      </p:grpSpPr>
+      <p:sp>
+        <p:nvSpPr>
+          <p:cNvPr id="10" name="Text Placeholder 9">
+            <a:extLst>
+              <a:ext uri="{FF2B5EF4-FFF2-40B4-BE49-F238E27FC236}">
+                <a16:creationId xmlns:a16="http://schemas.microsoft.com/office/drawing/2014/main" id="{35B64C15-9C09-C1C5-BF9B-3BA60840A2FF}"/>
+              </a:ext>
+            </a:extLst>
+          </p:cNvPr>
+          <p:cNvSpPr>
+            <a:spLocks noGrp="1"/>
+          </p:cNvSpPr>
+          <p:nvPr>
+            <p:ph type="body" sz="half" idx="2"/>
+          </p:nvPr>
+        </p:nvSpPr>
+        <p:spPr/>
+        <p:txBody>
+          <a:bodyPr/>
+          <a:lstStyle/>
+          <a:p>
+            <a:endParaRPr lang="en-GB" dirty="0"/>
+          </a:p>
+        </p:txBody>
+      </p:sp>
+      <p:sp>
+        <p:nvSpPr>
+          <p:cNvPr id="2" name="Date Placeholder 1">
+            <a:extLst>
+              <a:ext uri="{FF2B5EF4-FFF2-40B4-BE49-F238E27FC236}">
+                <a16:creationId xmlns:a16="http://schemas.microsoft.com/office/drawing/2014/main" id="{10F2BC04-D8A0-6842-2173-7F3F0FE08C74}"/>
+              </a:ext>
+            </a:extLst>
+          </p:cNvPr>
+          <p:cNvSpPr>
+            <a:spLocks noGrp="1"/>
+          </p:cNvSpPr>
+          <p:nvPr>
+            <p:ph type="dt" sz="half" idx="10"/>
+          </p:nvPr>
+        </p:nvSpPr>
+        <p:spPr/>
+        <p:txBody>
+          <a:bodyPr/>
+          <a:lstStyle/>
+          <a:p>
+            <a:fld id="{984BC1C5-6C09-40D3-AC5F-4EBA0FEDC8C4}" type="datetime1">
+              <a:rPr lang="en-GB" smtClean="0"/>
+              <a:t>11/07/2025</a:t>
+            </a:fld>
+            <a:endParaRPr lang="en-GB"/>
+          </a:p>
+        </p:txBody>
+      </p:sp>
+      <p:sp>
+        <p:nvSpPr>
+          <p:cNvPr id="4" name="Slide Number Placeholder 3">
+            <a:extLst>
+              <a:ext uri="{FF2B5EF4-FFF2-40B4-BE49-F238E27FC236}">
+                <a16:creationId xmlns:a16="http://schemas.microsoft.com/office/drawing/2014/main" id="{CC3768AC-380E-CF01-985A-DDFD31C721FE}"/>
+              </a:ext>
+            </a:extLst>
+          </p:cNvPr>
+          <p:cNvSpPr>
+            <a:spLocks noGrp="1"/>
+          </p:cNvSpPr>
+          <p:nvPr>
+            <p:ph type="sldNum" sz="quarter" idx="12"/>
+          </p:nvPr>
+        </p:nvSpPr>
+        <p:spPr/>
+        <p:txBody>
+          <a:bodyPr/>
+          <a:lstStyle/>
+          <a:p>
+            <a:fld id="{C9D8FB56-1768-4191-8A17-09BD1168FD6B}" type="slidenum">
+              <a:rPr lang="en-GB" smtClean="0"/>
+              <a:t>6</a:t>
+            </a:fld>
+            <a:endParaRPr lang="en-GB"/>
+          </a:p>
+        </p:txBody>
+      </p:sp>
+      <p:pic>
+        <p:nvPicPr>
+          <p:cNvPr id="3" name="Picture 2">
+            <a:extLst>
+              <a:ext uri="{FF2B5EF4-FFF2-40B4-BE49-F238E27FC236}">
+                <a16:creationId xmlns:a16="http://schemas.microsoft.com/office/drawing/2014/main" id="{0FF1A806-7098-26ED-6FB1-AF20FBADA9E1}"/>
+              </a:ext>
+            </a:extLst>
+          </p:cNvPr>
+          <p:cNvPicPr>
+            <a:picLocks noChangeAspect="1"/>
+          </p:cNvPicPr>
+          <p:nvPr/>
+        </p:nvPicPr>
+        <p:blipFill>
+          <a:blip r:embed="rId2"/>
+          <a:stretch>
+            <a:fillRect/>
+          </a:stretch>
+        </p:blipFill>
+        <p:spPr>
+          <a:xfrm>
+            <a:off x="435175" y="1109629"/>
+            <a:ext cx="4994514" cy="4638740"/>
+          </a:xfrm>
+          <a:prstGeom prst="rect">
+            <a:avLst/>
+          </a:prstGeom>
+        </p:spPr>
+      </p:pic>
+      <p:sp>
+        <p:nvSpPr>
+          <p:cNvPr id="8" name="Title 7">
+            <a:extLst>
+              <a:ext uri="{FF2B5EF4-FFF2-40B4-BE49-F238E27FC236}">
+                <a16:creationId xmlns:a16="http://schemas.microsoft.com/office/drawing/2014/main" id="{BDE435EB-90C2-4946-380D-7FFE67CE3F12}"/>
+              </a:ext>
+            </a:extLst>
+          </p:cNvPr>
+          <p:cNvSpPr>
+            <a:spLocks noGrp="1"/>
+          </p:cNvSpPr>
+          <p:nvPr>
+            <p:ph type="title"/>
+          </p:nvPr>
+        </p:nvSpPr>
+        <p:spPr/>
+        <p:txBody>
+          <a:bodyPr/>
+          <a:lstStyle/>
+          <a:p>
+            <a:endParaRPr lang="bg-BG"/>
+          </a:p>
+        </p:txBody>
+      </p:sp>
+      <p:pic>
+        <p:nvPicPr>
+          <p:cNvPr id="13" name="Content Placeholder 12">
+            <a:extLst>
+              <a:ext uri="{FF2B5EF4-FFF2-40B4-BE49-F238E27FC236}">
+                <a16:creationId xmlns:a16="http://schemas.microsoft.com/office/drawing/2014/main" id="{F1CAE91B-F1BA-F1AE-9CCB-FB229944D0B3}"/>
+              </a:ext>
+            </a:extLst>
+          </p:cNvPr>
+          <p:cNvPicPr>
+            <a:picLocks noGrp="1" noChangeAspect="1"/>
+          </p:cNvPicPr>
+          <p:nvPr>
+            <p:ph idx="1"/>
+          </p:nvPr>
+        </p:nvPicPr>
+        <p:blipFill>
+          <a:blip r:embed="rId3"/>
+          <a:stretch>
+            <a:fillRect/>
+          </a:stretch>
+        </p:blipFill>
+        <p:spPr>
+          <a:xfrm>
+            <a:off x="5701913" y="1687214"/>
+            <a:ext cx="6371025" cy="3483571"/>
+          </a:xfrm>
+        </p:spPr>
+      </p:pic>
+    </p:spTree>
+    <p:extLst>
+      <p:ext uri="{BB962C8B-B14F-4D97-AF65-F5344CB8AC3E}">
+        <p14:creationId xmlns:p14="http://schemas.microsoft.com/office/powerpoint/2010/main" val="3073733461"/>
+      </p:ext>
+    </p:extLst>
+  </p:cSld>
+  <p:clrMapOvr>
+    <a:masterClrMapping/>
+  </p:clrMapOvr>
+</p:sld>
+</file>
+
+<file path=ppt/slides/slide7.xml><?xml version="1.0" encoding="utf-8"?>
 <p:sld xmlns:a="http://schemas.openxmlformats.org/drawingml/2006/main" xmlns:r="http://schemas.openxmlformats.org/officeDocument/2006/relationships" xmlns:p="http://schemas.openxmlformats.org/presentationml/2006/main">
   <p:cSld>
     <p:spTree>
@@ -5886,230 +7124,6 @@
       </p:grpSpPr>
       <p:sp>
         <p:nvSpPr>
-          <p:cNvPr id="5" name="Title 4">
-            <a:extLst>
-              <a:ext uri="{FF2B5EF4-FFF2-40B4-BE49-F238E27FC236}">
-                <a16:creationId xmlns:a16="http://schemas.microsoft.com/office/drawing/2014/main" id="{B7A1A5AD-0188-43FF-A34D-5542ECAAB20A}"/>
-              </a:ext>
-            </a:extLst>
-          </p:cNvPr>
-          <p:cNvSpPr>
-            <a:spLocks noGrp="1"/>
-          </p:cNvSpPr>
-          <p:nvPr>
-            <p:ph type="title"/>
-          </p:nvPr>
-        </p:nvSpPr>
-        <p:spPr>
-          <a:xfrm>
-            <a:off x="839788" y="457200"/>
-            <a:ext cx="3932237" cy="527803"/>
-          </a:xfrm>
-        </p:spPr>
-        <p:txBody>
-          <a:bodyPr>
-            <a:normAutofit fontScale="90000"/>
-          </a:bodyPr>
-          <a:lstStyle/>
-          <a:p>
-            <a:r>
-              <a:rPr lang="en-GB" dirty="0"/>
-              <a:t>2. Requirements</a:t>
-            </a:r>
-          </a:p>
-        </p:txBody>
-      </p:sp>
-      <p:sp>
-        <p:nvSpPr>
-          <p:cNvPr id="6" name="Content Placeholder 5">
-            <a:extLst>
-              <a:ext uri="{FF2B5EF4-FFF2-40B4-BE49-F238E27FC236}">
-                <a16:creationId xmlns:a16="http://schemas.microsoft.com/office/drawing/2014/main" id="{5DC2570D-4916-4BFD-B008-1378E7DBADC6}"/>
-              </a:ext>
-            </a:extLst>
-          </p:cNvPr>
-          <p:cNvSpPr>
-            <a:spLocks noGrp="1"/>
-          </p:cNvSpPr>
-          <p:nvPr>
-            <p:ph idx="1"/>
-          </p:nvPr>
-        </p:nvSpPr>
-        <p:spPr/>
-        <p:txBody>
-          <a:bodyPr/>
-          <a:lstStyle/>
-          <a:p>
-            <a:r>
-              <a:rPr lang="en-GB" dirty="0"/>
-              <a:t>Main specs: 800g, 100mm/s, 300</a:t>
-            </a:r>
-            <a:r>
-              <a:rPr lang="bg-BG" dirty="0"/>
-              <a:t>€</a:t>
-            </a:r>
-            <a:endParaRPr lang="en-US" dirty="0"/>
-          </a:p>
-          <a:p>
-            <a:r>
-              <a:rPr lang="en-US" dirty="0"/>
-              <a:t>Obstacles: 6cm gaps, darkness</a:t>
-            </a:r>
-          </a:p>
-          <a:p>
-            <a:r>
-              <a:rPr lang="en-US" dirty="0"/>
-              <a:t>Tasks: 15min running time, line-tracking, RC capability, acoustic feedback</a:t>
-            </a:r>
-            <a:endParaRPr lang="en-GB" dirty="0"/>
-          </a:p>
-        </p:txBody>
-      </p:sp>
-      <p:sp>
-        <p:nvSpPr>
-          <p:cNvPr id="10" name="Text Placeholder 9">
-            <a:extLst>
-              <a:ext uri="{FF2B5EF4-FFF2-40B4-BE49-F238E27FC236}">
-                <a16:creationId xmlns:a16="http://schemas.microsoft.com/office/drawing/2014/main" id="{8A20F296-26B3-47EC-82AA-22DB5DEAD4BC}"/>
-              </a:ext>
-            </a:extLst>
-          </p:cNvPr>
-          <p:cNvSpPr>
-            <a:spLocks noGrp="1"/>
-          </p:cNvSpPr>
-          <p:nvPr>
-            <p:ph type="body" sz="half" idx="2"/>
-          </p:nvPr>
-        </p:nvSpPr>
-        <p:spPr/>
-        <p:txBody>
-          <a:bodyPr/>
-          <a:lstStyle/>
-          <a:p>
-            <a:endParaRPr lang="en-GB" dirty="0"/>
-          </a:p>
-        </p:txBody>
-      </p:sp>
-      <p:sp>
-        <p:nvSpPr>
-          <p:cNvPr id="2" name="Date Placeholder 1">
-            <a:extLst>
-              <a:ext uri="{FF2B5EF4-FFF2-40B4-BE49-F238E27FC236}">
-                <a16:creationId xmlns:a16="http://schemas.microsoft.com/office/drawing/2014/main" id="{21F45C04-EDFD-4F9D-B729-7A3112DA86B4}"/>
-              </a:ext>
-            </a:extLst>
-          </p:cNvPr>
-          <p:cNvSpPr>
-            <a:spLocks noGrp="1"/>
-          </p:cNvSpPr>
-          <p:nvPr>
-            <p:ph type="dt" sz="half" idx="10"/>
-          </p:nvPr>
-        </p:nvSpPr>
-        <p:spPr/>
-        <p:txBody>
-          <a:bodyPr/>
-          <a:lstStyle/>
-          <a:p>
-            <a:fld id="{984BC1C5-6C09-40D3-AC5F-4EBA0FEDC8C4}" type="datetime1">
-              <a:rPr lang="en-GB" smtClean="0"/>
-              <a:t>11/07/2025</a:t>
-            </a:fld>
-            <a:endParaRPr lang="en-GB"/>
-          </a:p>
-        </p:txBody>
-      </p:sp>
-      <p:sp>
-        <p:nvSpPr>
-          <p:cNvPr id="4" name="Slide Number Placeholder 3">
-            <a:extLst>
-              <a:ext uri="{FF2B5EF4-FFF2-40B4-BE49-F238E27FC236}">
-                <a16:creationId xmlns:a16="http://schemas.microsoft.com/office/drawing/2014/main" id="{71D4640E-F86D-4070-9BF1-76B3C39C0736}"/>
-              </a:ext>
-            </a:extLst>
-          </p:cNvPr>
-          <p:cNvSpPr>
-            <a:spLocks noGrp="1"/>
-          </p:cNvSpPr>
-          <p:nvPr>
-            <p:ph type="sldNum" sz="quarter" idx="12"/>
-          </p:nvPr>
-        </p:nvSpPr>
-        <p:spPr/>
-        <p:txBody>
-          <a:bodyPr/>
-          <a:lstStyle/>
-          <a:p>
-            <a:fld id="{C9D8FB56-1768-4191-8A17-09BD1168FD6B}" type="slidenum">
-              <a:rPr lang="en-GB" smtClean="0"/>
-              <a:t>3</a:t>
-            </a:fld>
-            <a:endParaRPr lang="en-GB"/>
-          </a:p>
-        </p:txBody>
-      </p:sp>
-      <p:pic>
-        <p:nvPicPr>
-          <p:cNvPr id="3" name="Picture 2">
-            <a:extLst>
-              <a:ext uri="{FF2B5EF4-FFF2-40B4-BE49-F238E27FC236}">
-                <a16:creationId xmlns:a16="http://schemas.microsoft.com/office/drawing/2014/main" id="{B42DB188-10C5-AD29-F9E8-56FE6C04E824}"/>
-              </a:ext>
-            </a:extLst>
-          </p:cNvPr>
-          <p:cNvPicPr>
-            <a:picLocks noChangeAspect="1"/>
-          </p:cNvPicPr>
-          <p:nvPr/>
-        </p:nvPicPr>
-        <p:blipFill>
-          <a:blip r:embed="rId2"/>
-          <a:stretch>
-            <a:fillRect/>
-          </a:stretch>
-        </p:blipFill>
-        <p:spPr>
-          <a:xfrm>
-            <a:off x="663786" y="1516438"/>
-            <a:ext cx="4108239" cy="3815597"/>
-          </a:xfrm>
-          <a:prstGeom prst="rect">
-            <a:avLst/>
-          </a:prstGeom>
-        </p:spPr>
-      </p:pic>
-    </p:spTree>
-    <p:extLst>
-      <p:ext uri="{BB962C8B-B14F-4D97-AF65-F5344CB8AC3E}">
-        <p14:creationId xmlns:p14="http://schemas.microsoft.com/office/powerpoint/2010/main" val="3525351719"/>
-      </p:ext>
-    </p:extLst>
-  </p:cSld>
-  <p:clrMapOvr>
-    <a:masterClrMapping/>
-  </p:clrMapOvr>
-</p:sld>
-</file>
-
-<file path=ppt/slides/slide4.xml><?xml version="1.0" encoding="utf-8"?>
-<p:sld xmlns:a="http://schemas.openxmlformats.org/drawingml/2006/main" xmlns:r="http://schemas.openxmlformats.org/officeDocument/2006/relationships" xmlns:p="http://schemas.openxmlformats.org/presentationml/2006/main">
-  <p:cSld>
-    <p:spTree>
-      <p:nvGrpSpPr>
-        <p:cNvPr id="1" name=""/>
-        <p:cNvGrpSpPr/>
-        <p:nvPr/>
-      </p:nvGrpSpPr>
-      <p:grpSpPr>
-        <a:xfrm>
-          <a:off x="0" y="0"/>
-          <a:ext cx="0" cy="0"/>
-          <a:chOff x="0" y="0"/>
-          <a:chExt cx="0" cy="0"/>
-        </a:xfrm>
-      </p:grpSpPr>
-      <p:sp>
-        <p:nvSpPr>
           <p:cNvPr id="7" name="Title 6">
             <a:extLst>
               <a:ext uri="{FF2B5EF4-FFF2-40B4-BE49-F238E27FC236}">
@@ -6261,7 +7275,7 @@
           <a:p>
             <a:fld id="{C9D8FB56-1768-4191-8A17-09BD1168FD6B}" type="slidenum">
               <a:rPr lang="en-GB" smtClean="0"/>
-              <a:t>4</a:t>
+              <a:t>7</a:t>
             </a:fld>
             <a:endParaRPr lang="en-GB"/>
           </a:p>
@@ -6310,7 +7324,7 @@
 </p:sld>
 </file>
 
-<file path=ppt/slides/slide5.xml><?xml version="1.0" encoding="utf-8"?>
+<file path=ppt/slides/slide8.xml><?xml version="1.0" encoding="utf-8"?>
 <p:sld xmlns:a="http://schemas.openxmlformats.org/drawingml/2006/main" xmlns:r="http://schemas.openxmlformats.org/officeDocument/2006/relationships" xmlns:p="http://schemas.openxmlformats.org/presentationml/2006/main">
   <p:cSld>
     <p:spTree>
@@ -6533,7 +7547,7 @@
           <a:p>
             <a:fld id="{C9D8FB56-1768-4191-8A17-09BD1168FD6B}" type="slidenum">
               <a:rPr lang="en-GB" smtClean="0"/>
-              <a:t>5</a:t>
+              <a:t>8</a:t>
             </a:fld>
             <a:endParaRPr lang="en-GB"/>
           </a:p>
@@ -6543,6 +7557,306 @@
     <p:extLst>
       <p:ext uri="{BB962C8B-B14F-4D97-AF65-F5344CB8AC3E}">
         <p14:creationId xmlns:p14="http://schemas.microsoft.com/office/powerpoint/2010/main" val="1829040588"/>
+      </p:ext>
+    </p:extLst>
+  </p:cSld>
+  <p:clrMapOvr>
+    <a:masterClrMapping/>
+  </p:clrMapOvr>
+</p:sld>
+</file>
+
+<file path=ppt/slides/slide9.xml><?xml version="1.0" encoding="utf-8"?>
+<p:sld xmlns:a="http://schemas.openxmlformats.org/drawingml/2006/main" xmlns:r="http://schemas.openxmlformats.org/officeDocument/2006/relationships" xmlns:p="http://schemas.openxmlformats.org/presentationml/2006/main">
+  <p:cSld>
+    <p:spTree>
+      <p:nvGrpSpPr>
+        <p:cNvPr id="1" name="">
+          <a:extLst>
+            <a:ext uri="{FF2B5EF4-FFF2-40B4-BE49-F238E27FC236}">
+              <a16:creationId xmlns:a16="http://schemas.microsoft.com/office/drawing/2014/main" id="{29D4B04F-394C-5CC8-6B22-81FCD53197A4}"/>
+            </a:ext>
+          </a:extLst>
+        </p:cNvPr>
+        <p:cNvGrpSpPr/>
+        <p:nvPr/>
+      </p:nvGrpSpPr>
+      <p:grpSpPr>
+        <a:xfrm>
+          <a:off x="0" y="0"/>
+          <a:ext cx="0" cy="0"/>
+          <a:chOff x="0" y="0"/>
+          <a:chExt cx="0" cy="0"/>
+        </a:xfrm>
+      </p:grpSpPr>
+      <p:sp>
+        <p:nvSpPr>
+          <p:cNvPr id="5" name="Title 4">
+            <a:extLst>
+              <a:ext uri="{FF2B5EF4-FFF2-40B4-BE49-F238E27FC236}">
+                <a16:creationId xmlns:a16="http://schemas.microsoft.com/office/drawing/2014/main" id="{172AA092-6F4A-4E65-D0C1-F233EBC960EB}"/>
+              </a:ext>
+            </a:extLst>
+          </p:cNvPr>
+          <p:cNvSpPr>
+            <a:spLocks noGrp="1"/>
+          </p:cNvSpPr>
+          <p:nvPr>
+            <p:ph type="title"/>
+          </p:nvPr>
+        </p:nvSpPr>
+        <p:spPr/>
+        <p:txBody>
+          <a:bodyPr/>
+          <a:lstStyle/>
+          <a:p>
+            <a:r>
+              <a:rPr lang="en-GB" dirty="0"/>
+              <a:t>4. Circuits and PCB</a:t>
+            </a:r>
+          </a:p>
+        </p:txBody>
+      </p:sp>
+      <p:sp>
+        <p:nvSpPr>
+          <p:cNvPr id="6" name="Text Placeholder 5">
+            <a:extLst>
+              <a:ext uri="{FF2B5EF4-FFF2-40B4-BE49-F238E27FC236}">
+                <a16:creationId xmlns:a16="http://schemas.microsoft.com/office/drawing/2014/main" id="{BA24FF46-09D4-96D4-8D07-7D886B19403C}"/>
+              </a:ext>
+            </a:extLst>
+          </p:cNvPr>
+          <p:cNvSpPr>
+            <a:spLocks noGrp="1"/>
+          </p:cNvSpPr>
+          <p:nvPr>
+            <p:ph type="body" idx="1"/>
+          </p:nvPr>
+        </p:nvSpPr>
+        <p:spPr>
+          <a:xfrm>
+            <a:off x="836612" y="1101886"/>
+            <a:ext cx="5157787" cy="823912"/>
+          </a:xfrm>
+        </p:spPr>
+        <p:txBody>
+          <a:bodyPr/>
+          <a:lstStyle/>
+          <a:p>
+            <a:pPr algn="ctr"/>
+            <a:r>
+              <a:rPr lang="en-GB" dirty="0"/>
+              <a:t>Top-view</a:t>
+            </a:r>
+          </a:p>
+        </p:txBody>
+      </p:sp>
+      <p:sp>
+        <p:nvSpPr>
+          <p:cNvPr id="9" name="Text Placeholder 8">
+            <a:extLst>
+              <a:ext uri="{FF2B5EF4-FFF2-40B4-BE49-F238E27FC236}">
+                <a16:creationId xmlns:a16="http://schemas.microsoft.com/office/drawing/2014/main" id="{A1041037-2117-DE7D-F5E0-4477814EAB2F}"/>
+              </a:ext>
+            </a:extLst>
+          </p:cNvPr>
+          <p:cNvSpPr>
+            <a:spLocks noGrp="1"/>
+          </p:cNvSpPr>
+          <p:nvPr>
+            <p:ph type="body" sz="quarter" idx="3"/>
+          </p:nvPr>
+        </p:nvSpPr>
+        <p:spPr>
+          <a:xfrm>
+            <a:off x="6345026" y="1117600"/>
+            <a:ext cx="5183188" cy="823912"/>
+          </a:xfrm>
+        </p:spPr>
+        <p:txBody>
+          <a:bodyPr/>
+          <a:lstStyle/>
+          <a:p>
+            <a:pPr algn="ctr"/>
+            <a:r>
+              <a:rPr lang="en-GB" dirty="0"/>
+              <a:t>Bottom-view</a:t>
+            </a:r>
+          </a:p>
+        </p:txBody>
+      </p:sp>
+      <p:sp>
+        <p:nvSpPr>
+          <p:cNvPr id="2" name="Date Placeholder 1">
+            <a:extLst>
+              <a:ext uri="{FF2B5EF4-FFF2-40B4-BE49-F238E27FC236}">
+                <a16:creationId xmlns:a16="http://schemas.microsoft.com/office/drawing/2014/main" id="{D6FB531C-0496-A997-E1AD-18C1D232C569}"/>
+              </a:ext>
+            </a:extLst>
+          </p:cNvPr>
+          <p:cNvSpPr>
+            <a:spLocks noGrp="1"/>
+          </p:cNvSpPr>
+          <p:nvPr>
+            <p:ph type="dt" sz="half" idx="10"/>
+          </p:nvPr>
+        </p:nvSpPr>
+        <p:spPr/>
+        <p:txBody>
+          <a:bodyPr/>
+          <a:lstStyle/>
+          <a:p>
+            <a:fld id="{CF3B91FB-F4CC-4A92-9D4D-F882AD9ACAA8}" type="datetime1">
+              <a:rPr lang="en-GB" smtClean="0"/>
+              <a:t>11/07/2025</a:t>
+            </a:fld>
+            <a:endParaRPr lang="en-GB"/>
+          </a:p>
+        </p:txBody>
+      </p:sp>
+      <p:sp>
+        <p:nvSpPr>
+          <p:cNvPr id="4" name="Slide Number Placeholder 3">
+            <a:extLst>
+              <a:ext uri="{FF2B5EF4-FFF2-40B4-BE49-F238E27FC236}">
+                <a16:creationId xmlns:a16="http://schemas.microsoft.com/office/drawing/2014/main" id="{AD35D64B-BA16-52BE-65F5-18ED2B9ECB6F}"/>
+              </a:ext>
+            </a:extLst>
+          </p:cNvPr>
+          <p:cNvSpPr>
+            <a:spLocks noGrp="1"/>
+          </p:cNvSpPr>
+          <p:nvPr>
+            <p:ph type="sldNum" sz="quarter" idx="12"/>
+          </p:nvPr>
+        </p:nvSpPr>
+        <p:spPr/>
+        <p:txBody>
+          <a:bodyPr/>
+          <a:lstStyle/>
+          <a:p>
+            <a:fld id="{C9D8FB56-1768-4191-8A17-09BD1168FD6B}" type="slidenum">
+              <a:rPr lang="en-GB" smtClean="0"/>
+              <a:t>9</a:t>
+            </a:fld>
+            <a:endParaRPr lang="en-GB"/>
+          </a:p>
+        </p:txBody>
+      </p:sp>
+      <p:sp>
+        <p:nvSpPr>
+          <p:cNvPr id="8" name="Content Placeholder 7">
+            <a:extLst>
+              <a:ext uri="{FF2B5EF4-FFF2-40B4-BE49-F238E27FC236}">
+                <a16:creationId xmlns:a16="http://schemas.microsoft.com/office/drawing/2014/main" id="{5B1B91A5-BF8A-4531-058E-3DD6CA3CE75A}"/>
+              </a:ext>
+            </a:extLst>
+          </p:cNvPr>
+          <p:cNvSpPr>
+            <a:spLocks noGrp="1"/>
+          </p:cNvSpPr>
+          <p:nvPr>
+            <p:ph sz="half" idx="2"/>
+          </p:nvPr>
+        </p:nvSpPr>
+        <p:spPr/>
+        <p:txBody>
+          <a:bodyPr/>
+          <a:lstStyle/>
+          <a:p>
+            <a:endParaRPr lang="bg-BG"/>
+          </a:p>
+        </p:txBody>
+      </p:sp>
+      <p:pic>
+        <p:nvPicPr>
+          <p:cNvPr id="11" name="Picture 10">
+            <a:extLst>
+              <a:ext uri="{FF2B5EF4-FFF2-40B4-BE49-F238E27FC236}">
+                <a16:creationId xmlns:a16="http://schemas.microsoft.com/office/drawing/2014/main" id="{CF1ACEB5-B726-7A5B-43C2-FA4BF1A7A92A}"/>
+              </a:ext>
+            </a:extLst>
+          </p:cNvPr>
+          <p:cNvPicPr>
+            <a:picLocks noChangeAspect="1"/>
+          </p:cNvPicPr>
+          <p:nvPr/>
+        </p:nvPicPr>
+        <p:blipFill>
+          <a:blip r:embed="rId2"/>
+          <a:stretch>
+            <a:fillRect/>
+          </a:stretch>
+        </p:blipFill>
+        <p:spPr>
+          <a:xfrm>
+            <a:off x="663786" y="1958505"/>
+            <a:ext cx="5330613" cy="3910450"/>
+          </a:xfrm>
+          <a:prstGeom prst="rect">
+            <a:avLst/>
+          </a:prstGeom>
+        </p:spPr>
+      </p:pic>
+      <p:sp>
+        <p:nvSpPr>
+          <p:cNvPr id="14" name="Content Placeholder 13">
+            <a:extLst>
+              <a:ext uri="{FF2B5EF4-FFF2-40B4-BE49-F238E27FC236}">
+                <a16:creationId xmlns:a16="http://schemas.microsoft.com/office/drawing/2014/main" id="{D82E3F48-E982-02D1-BB50-C9D1FF75DCF7}"/>
+              </a:ext>
+            </a:extLst>
+          </p:cNvPr>
+          <p:cNvSpPr>
+            <a:spLocks noGrp="1"/>
+          </p:cNvSpPr>
+          <p:nvPr>
+            <p:ph sz="quarter" idx="4"/>
+          </p:nvPr>
+        </p:nvSpPr>
+        <p:spPr/>
+        <p:txBody>
+          <a:bodyPr/>
+          <a:lstStyle/>
+          <a:p>
+            <a:endParaRPr lang="bg-BG"/>
+          </a:p>
+        </p:txBody>
+      </p:sp>
+      <p:pic>
+        <p:nvPicPr>
+          <p:cNvPr id="16" name="Picture 15">
+            <a:extLst>
+              <a:ext uri="{FF2B5EF4-FFF2-40B4-BE49-F238E27FC236}">
+                <a16:creationId xmlns:a16="http://schemas.microsoft.com/office/drawing/2014/main" id="{2EDE8449-838E-D70A-D296-14D5DF513E32}"/>
+              </a:ext>
+            </a:extLst>
+          </p:cNvPr>
+          <p:cNvPicPr>
+            <a:picLocks noChangeAspect="1"/>
+          </p:cNvPicPr>
+          <p:nvPr/>
+        </p:nvPicPr>
+        <p:blipFill>
+          <a:blip r:embed="rId3"/>
+          <a:stretch>
+            <a:fillRect/>
+          </a:stretch>
+        </p:blipFill>
+        <p:spPr>
+          <a:xfrm>
+            <a:off x="6177596" y="1958503"/>
+            <a:ext cx="5350617" cy="3910451"/>
+          </a:xfrm>
+          <a:prstGeom prst="rect">
+            <a:avLst/>
+          </a:prstGeom>
+        </p:spPr>
+      </p:pic>
+    </p:spTree>
+    <p:extLst>
+      <p:ext uri="{BB962C8B-B14F-4D97-AF65-F5344CB8AC3E}">
+        <p14:creationId xmlns:p14="http://schemas.microsoft.com/office/powerpoint/2010/main" val="2632712079"/>
       </p:ext>
     </p:extLst>
   </p:cSld>
